--- a/ppt 16-9/1270.主在我船上.pptx
+++ b/ppt 16-9/1270.主在我船上.pptx
@@ -129,7 +129,7 @@
           <p:cNvPr id="2" name="标题 1">
             <a:extLst>
               <a:ext uri="{FF2B5EF4-FFF2-40B4-BE49-F238E27FC236}">
-                <a16:creationId xmlns:a16="http://schemas.microsoft.com/office/drawing/2014/main" id="{5B2C3B18-95AA-CFD9-0ACC-9D9D5BE979BA}"/>
+                <a16:creationId xmlns:a16="http://schemas.microsoft.com/office/drawing/2014/main" id="{B16CFA7B-22F3-3552-CEA8-2F47BF17963D}"/>
               </a:ext>
             </a:extLst>
           </p:cNvPr>
@@ -166,7 +166,7 @@
           <p:cNvPr id="3" name="副标题 2">
             <a:extLst>
               <a:ext uri="{FF2B5EF4-FFF2-40B4-BE49-F238E27FC236}">
-                <a16:creationId xmlns:a16="http://schemas.microsoft.com/office/drawing/2014/main" id="{25361583-656C-D54A-0892-BF0E07481317}"/>
+                <a16:creationId xmlns:a16="http://schemas.microsoft.com/office/drawing/2014/main" id="{0C28C780-56E1-1633-7055-2624AC4FED5F}"/>
               </a:ext>
             </a:extLst>
           </p:cNvPr>
@@ -236,7 +236,7 @@
           <p:cNvPr id="4" name="日期占位符 3">
             <a:extLst>
               <a:ext uri="{FF2B5EF4-FFF2-40B4-BE49-F238E27FC236}">
-                <a16:creationId xmlns:a16="http://schemas.microsoft.com/office/drawing/2014/main" id="{FD38387B-F0DA-F7B6-343A-D32977DB38A1}"/>
+                <a16:creationId xmlns:a16="http://schemas.microsoft.com/office/drawing/2014/main" id="{97CD41D4-A47A-F93B-BF32-985756AABD68}"/>
               </a:ext>
             </a:extLst>
           </p:cNvPr>
@@ -252,7 +252,7 @@
           <a:bodyPr/>
           <a:lstStyle/>
           <a:p>
-            <a:fld id="{762F93B6-07EA-486F-A317-D39B293F3114}" type="datetimeFigureOut">
+            <a:fld id="{E1D2162E-0652-4582-AA01-427364AFE2FB}" type="datetimeFigureOut">
               <a:rPr lang="zh-CN" altLang="en-US" smtClean="0"/>
               <a:t>2024/3/10</a:t>
             </a:fld>
@@ -265,7 +265,7 @@
           <p:cNvPr id="5" name="页脚占位符 4">
             <a:extLst>
               <a:ext uri="{FF2B5EF4-FFF2-40B4-BE49-F238E27FC236}">
-                <a16:creationId xmlns:a16="http://schemas.microsoft.com/office/drawing/2014/main" id="{57861C49-6CA1-45D3-252C-28B0DE4A9FFA}"/>
+                <a16:creationId xmlns:a16="http://schemas.microsoft.com/office/drawing/2014/main" id="{A4D5C523-5925-C588-0E96-BE4AE3A7892E}"/>
               </a:ext>
             </a:extLst>
           </p:cNvPr>
@@ -290,7 +290,7 @@
           <p:cNvPr id="6" name="灯片编号占位符 5">
             <a:extLst>
               <a:ext uri="{FF2B5EF4-FFF2-40B4-BE49-F238E27FC236}">
-                <a16:creationId xmlns:a16="http://schemas.microsoft.com/office/drawing/2014/main" id="{8E9A5E9F-BC9B-4D19-5416-6AD2663C4758}"/>
+                <a16:creationId xmlns:a16="http://schemas.microsoft.com/office/drawing/2014/main" id="{82C19B42-A2F6-C1E5-F031-CAE316F3D831}"/>
               </a:ext>
             </a:extLst>
           </p:cNvPr>
@@ -306,7 +306,7 @@
           <a:bodyPr/>
           <a:lstStyle/>
           <a:p>
-            <a:fld id="{0F463C2A-04DA-4844-B589-AE0FD5850503}" type="slidenum">
+            <a:fld id="{C9FCBA34-DA17-4E4E-9390-68B0F538CD60}" type="slidenum">
               <a:rPr lang="zh-CN" altLang="en-US" smtClean="0"/>
               <a:t>‹#›</a:t>
             </a:fld>
@@ -317,7 +317,7 @@
     </p:spTree>
     <p:extLst>
       <p:ext uri="{BB962C8B-B14F-4D97-AF65-F5344CB8AC3E}">
-        <p14:creationId xmlns:p14="http://schemas.microsoft.com/office/powerpoint/2010/main" val="1170070423"/>
+        <p14:creationId xmlns:p14="http://schemas.microsoft.com/office/powerpoint/2010/main" val="2885912840"/>
       </p:ext>
     </p:extLst>
   </p:cSld>
@@ -349,7 +349,7 @@
           <p:cNvPr id="2" name="标题 1">
             <a:extLst>
               <a:ext uri="{FF2B5EF4-FFF2-40B4-BE49-F238E27FC236}">
-                <a16:creationId xmlns:a16="http://schemas.microsoft.com/office/drawing/2014/main" id="{8565C1CE-6D74-BE7D-C658-BBB04498FFCC}"/>
+                <a16:creationId xmlns:a16="http://schemas.microsoft.com/office/drawing/2014/main" id="{D51DF99C-46EB-DD04-D9BB-7F328753540D}"/>
               </a:ext>
             </a:extLst>
           </p:cNvPr>
@@ -377,7 +377,7 @@
           <p:cNvPr id="3" name="竖排文字占位符 2">
             <a:extLst>
               <a:ext uri="{FF2B5EF4-FFF2-40B4-BE49-F238E27FC236}">
-                <a16:creationId xmlns:a16="http://schemas.microsoft.com/office/drawing/2014/main" id="{585BB307-61DB-B73F-B675-A4309A756363}"/>
+                <a16:creationId xmlns:a16="http://schemas.microsoft.com/office/drawing/2014/main" id="{23CB8EB9-4ED5-4978-3EC5-C08C82A4D065}"/>
               </a:ext>
             </a:extLst>
           </p:cNvPr>
@@ -434,7 +434,7 @@
           <p:cNvPr id="4" name="日期占位符 3">
             <a:extLst>
               <a:ext uri="{FF2B5EF4-FFF2-40B4-BE49-F238E27FC236}">
-                <a16:creationId xmlns:a16="http://schemas.microsoft.com/office/drawing/2014/main" id="{E0EDD0D8-F6A2-174A-D007-A6B291471E8D}"/>
+                <a16:creationId xmlns:a16="http://schemas.microsoft.com/office/drawing/2014/main" id="{44DEE9EF-7B2E-2287-C7B8-5E1651B87DAC}"/>
               </a:ext>
             </a:extLst>
           </p:cNvPr>
@@ -450,7 +450,7 @@
           <a:bodyPr/>
           <a:lstStyle/>
           <a:p>
-            <a:fld id="{762F93B6-07EA-486F-A317-D39B293F3114}" type="datetimeFigureOut">
+            <a:fld id="{E1D2162E-0652-4582-AA01-427364AFE2FB}" type="datetimeFigureOut">
               <a:rPr lang="zh-CN" altLang="en-US" smtClean="0"/>
               <a:t>2024/3/10</a:t>
             </a:fld>
@@ -463,7 +463,7 @@
           <p:cNvPr id="5" name="页脚占位符 4">
             <a:extLst>
               <a:ext uri="{FF2B5EF4-FFF2-40B4-BE49-F238E27FC236}">
-                <a16:creationId xmlns:a16="http://schemas.microsoft.com/office/drawing/2014/main" id="{B7F73C43-8A76-5C4E-2EB3-E1F151F6366D}"/>
+                <a16:creationId xmlns:a16="http://schemas.microsoft.com/office/drawing/2014/main" id="{941E8E6A-DC73-2266-70D7-17D945063816}"/>
               </a:ext>
             </a:extLst>
           </p:cNvPr>
@@ -488,7 +488,7 @@
           <p:cNvPr id="6" name="灯片编号占位符 5">
             <a:extLst>
               <a:ext uri="{FF2B5EF4-FFF2-40B4-BE49-F238E27FC236}">
-                <a16:creationId xmlns:a16="http://schemas.microsoft.com/office/drawing/2014/main" id="{EFF2F9EA-71D3-8D6C-52C6-D59BA9F352C8}"/>
+                <a16:creationId xmlns:a16="http://schemas.microsoft.com/office/drawing/2014/main" id="{AE708109-6410-81FD-038E-BDEF5A16BF1B}"/>
               </a:ext>
             </a:extLst>
           </p:cNvPr>
@@ -504,7 +504,7 @@
           <a:bodyPr/>
           <a:lstStyle/>
           <a:p>
-            <a:fld id="{0F463C2A-04DA-4844-B589-AE0FD5850503}" type="slidenum">
+            <a:fld id="{C9FCBA34-DA17-4E4E-9390-68B0F538CD60}" type="slidenum">
               <a:rPr lang="zh-CN" altLang="en-US" smtClean="0"/>
               <a:t>‹#›</a:t>
             </a:fld>
@@ -515,7 +515,7 @@
     </p:spTree>
     <p:extLst>
       <p:ext uri="{BB962C8B-B14F-4D97-AF65-F5344CB8AC3E}">
-        <p14:creationId xmlns:p14="http://schemas.microsoft.com/office/powerpoint/2010/main" val="790887828"/>
+        <p14:creationId xmlns:p14="http://schemas.microsoft.com/office/powerpoint/2010/main" val="2873697636"/>
       </p:ext>
     </p:extLst>
   </p:cSld>
@@ -547,7 +547,7 @@
           <p:cNvPr id="2" name="竖排标题 1">
             <a:extLst>
               <a:ext uri="{FF2B5EF4-FFF2-40B4-BE49-F238E27FC236}">
-                <a16:creationId xmlns:a16="http://schemas.microsoft.com/office/drawing/2014/main" id="{8A1CDC65-4D30-5E1B-388A-6EFEB5A25E68}"/>
+                <a16:creationId xmlns:a16="http://schemas.microsoft.com/office/drawing/2014/main" id="{E2E18DA9-A98D-AEDF-4319-89A39C09330F}"/>
               </a:ext>
             </a:extLst>
           </p:cNvPr>
@@ -580,7 +580,7 @@
           <p:cNvPr id="3" name="竖排文字占位符 2">
             <a:extLst>
               <a:ext uri="{FF2B5EF4-FFF2-40B4-BE49-F238E27FC236}">
-                <a16:creationId xmlns:a16="http://schemas.microsoft.com/office/drawing/2014/main" id="{C0699E7B-6030-740C-4161-38D00A89937C}"/>
+                <a16:creationId xmlns:a16="http://schemas.microsoft.com/office/drawing/2014/main" id="{B4AC2882-9794-8F43-C6BD-AA16DC79F89F}"/>
               </a:ext>
             </a:extLst>
           </p:cNvPr>
@@ -642,7 +642,7 @@
           <p:cNvPr id="4" name="日期占位符 3">
             <a:extLst>
               <a:ext uri="{FF2B5EF4-FFF2-40B4-BE49-F238E27FC236}">
-                <a16:creationId xmlns:a16="http://schemas.microsoft.com/office/drawing/2014/main" id="{CC36C5EE-573F-59A0-F22C-49C032F55C85}"/>
+                <a16:creationId xmlns:a16="http://schemas.microsoft.com/office/drawing/2014/main" id="{D2BD3691-7ACA-3BD6-100C-29A7D4D14B79}"/>
               </a:ext>
             </a:extLst>
           </p:cNvPr>
@@ -658,7 +658,7 @@
           <a:bodyPr/>
           <a:lstStyle/>
           <a:p>
-            <a:fld id="{762F93B6-07EA-486F-A317-D39B293F3114}" type="datetimeFigureOut">
+            <a:fld id="{E1D2162E-0652-4582-AA01-427364AFE2FB}" type="datetimeFigureOut">
               <a:rPr lang="zh-CN" altLang="en-US" smtClean="0"/>
               <a:t>2024/3/10</a:t>
             </a:fld>
@@ -671,7 +671,7 @@
           <p:cNvPr id="5" name="页脚占位符 4">
             <a:extLst>
               <a:ext uri="{FF2B5EF4-FFF2-40B4-BE49-F238E27FC236}">
-                <a16:creationId xmlns:a16="http://schemas.microsoft.com/office/drawing/2014/main" id="{0002C374-5039-41BB-E028-EFA0694092A2}"/>
+                <a16:creationId xmlns:a16="http://schemas.microsoft.com/office/drawing/2014/main" id="{6CAE4E8A-44BE-DF1F-D06E-D1A42AC7051B}"/>
               </a:ext>
             </a:extLst>
           </p:cNvPr>
@@ -696,7 +696,7 @@
           <p:cNvPr id="6" name="灯片编号占位符 5">
             <a:extLst>
               <a:ext uri="{FF2B5EF4-FFF2-40B4-BE49-F238E27FC236}">
-                <a16:creationId xmlns:a16="http://schemas.microsoft.com/office/drawing/2014/main" id="{76B7FD22-0461-D88D-4847-E1246E0501F9}"/>
+                <a16:creationId xmlns:a16="http://schemas.microsoft.com/office/drawing/2014/main" id="{FFB55660-1121-0ABE-B262-3B68B8C386E4}"/>
               </a:ext>
             </a:extLst>
           </p:cNvPr>
@@ -712,7 +712,7 @@
           <a:bodyPr/>
           <a:lstStyle/>
           <a:p>
-            <a:fld id="{0F463C2A-04DA-4844-B589-AE0FD5850503}" type="slidenum">
+            <a:fld id="{C9FCBA34-DA17-4E4E-9390-68B0F538CD60}" type="slidenum">
               <a:rPr lang="zh-CN" altLang="en-US" smtClean="0"/>
               <a:t>‹#›</a:t>
             </a:fld>
@@ -723,7 +723,7 @@
     </p:spTree>
     <p:extLst>
       <p:ext uri="{BB962C8B-B14F-4D97-AF65-F5344CB8AC3E}">
-        <p14:creationId xmlns:p14="http://schemas.microsoft.com/office/powerpoint/2010/main" val="1918836812"/>
+        <p14:creationId xmlns:p14="http://schemas.microsoft.com/office/powerpoint/2010/main" val="52262134"/>
       </p:ext>
     </p:extLst>
   </p:cSld>
@@ -755,7 +755,7 @@
           <p:cNvPr id="2" name="标题 1">
             <a:extLst>
               <a:ext uri="{FF2B5EF4-FFF2-40B4-BE49-F238E27FC236}">
-                <a16:creationId xmlns:a16="http://schemas.microsoft.com/office/drawing/2014/main" id="{61533AF3-A3A1-16C9-1092-A2FA04991F7B}"/>
+                <a16:creationId xmlns:a16="http://schemas.microsoft.com/office/drawing/2014/main" id="{0ADFB596-48F6-15DE-22EE-11A4DC7358C4}"/>
               </a:ext>
             </a:extLst>
           </p:cNvPr>
@@ -783,7 +783,7 @@
           <p:cNvPr id="3" name="内容占位符 2">
             <a:extLst>
               <a:ext uri="{FF2B5EF4-FFF2-40B4-BE49-F238E27FC236}">
-                <a16:creationId xmlns:a16="http://schemas.microsoft.com/office/drawing/2014/main" id="{5351927D-FE1A-1179-7172-F2BE786524ED}"/>
+                <a16:creationId xmlns:a16="http://schemas.microsoft.com/office/drawing/2014/main" id="{9B483545-B7BA-6D94-0A0D-2CDF79E85E35}"/>
               </a:ext>
             </a:extLst>
           </p:cNvPr>
@@ -840,7 +840,7 @@
           <p:cNvPr id="4" name="日期占位符 3">
             <a:extLst>
               <a:ext uri="{FF2B5EF4-FFF2-40B4-BE49-F238E27FC236}">
-                <a16:creationId xmlns:a16="http://schemas.microsoft.com/office/drawing/2014/main" id="{91AF3DA5-11A3-170D-8433-40C6EC242701}"/>
+                <a16:creationId xmlns:a16="http://schemas.microsoft.com/office/drawing/2014/main" id="{AD6CC5B3-9DF9-D920-20D6-2D63EAB6DD7E}"/>
               </a:ext>
             </a:extLst>
           </p:cNvPr>
@@ -856,7 +856,7 @@
           <a:bodyPr/>
           <a:lstStyle/>
           <a:p>
-            <a:fld id="{762F93B6-07EA-486F-A317-D39B293F3114}" type="datetimeFigureOut">
+            <a:fld id="{E1D2162E-0652-4582-AA01-427364AFE2FB}" type="datetimeFigureOut">
               <a:rPr lang="zh-CN" altLang="en-US" smtClean="0"/>
               <a:t>2024/3/10</a:t>
             </a:fld>
@@ -869,7 +869,7 @@
           <p:cNvPr id="5" name="页脚占位符 4">
             <a:extLst>
               <a:ext uri="{FF2B5EF4-FFF2-40B4-BE49-F238E27FC236}">
-                <a16:creationId xmlns:a16="http://schemas.microsoft.com/office/drawing/2014/main" id="{98EF82E2-F6B9-3DCC-FF38-88E0AD22B62E}"/>
+                <a16:creationId xmlns:a16="http://schemas.microsoft.com/office/drawing/2014/main" id="{3CBF0385-7550-8598-9167-6BB234D5A364}"/>
               </a:ext>
             </a:extLst>
           </p:cNvPr>
@@ -894,7 +894,7 @@
           <p:cNvPr id="6" name="灯片编号占位符 5">
             <a:extLst>
               <a:ext uri="{FF2B5EF4-FFF2-40B4-BE49-F238E27FC236}">
-                <a16:creationId xmlns:a16="http://schemas.microsoft.com/office/drawing/2014/main" id="{8B4DF63B-E033-757E-DEDF-5C968FD21E44}"/>
+                <a16:creationId xmlns:a16="http://schemas.microsoft.com/office/drawing/2014/main" id="{959E5E77-7AED-2BCE-29F2-434E5262F2D5}"/>
               </a:ext>
             </a:extLst>
           </p:cNvPr>
@@ -910,7 +910,7 @@
           <a:bodyPr/>
           <a:lstStyle/>
           <a:p>
-            <a:fld id="{0F463C2A-04DA-4844-B589-AE0FD5850503}" type="slidenum">
+            <a:fld id="{C9FCBA34-DA17-4E4E-9390-68B0F538CD60}" type="slidenum">
               <a:rPr lang="zh-CN" altLang="en-US" smtClean="0"/>
               <a:t>‹#›</a:t>
             </a:fld>
@@ -921,7 +921,7 @@
     </p:spTree>
     <p:extLst>
       <p:ext uri="{BB962C8B-B14F-4D97-AF65-F5344CB8AC3E}">
-        <p14:creationId xmlns:p14="http://schemas.microsoft.com/office/powerpoint/2010/main" val="2033485939"/>
+        <p14:creationId xmlns:p14="http://schemas.microsoft.com/office/powerpoint/2010/main" val="2018232710"/>
       </p:ext>
     </p:extLst>
   </p:cSld>
@@ -953,7 +953,7 @@
           <p:cNvPr id="2" name="标题 1">
             <a:extLst>
               <a:ext uri="{FF2B5EF4-FFF2-40B4-BE49-F238E27FC236}">
-                <a16:creationId xmlns:a16="http://schemas.microsoft.com/office/drawing/2014/main" id="{3FB71A5B-8DEC-6964-5B70-BAC59051B9E0}"/>
+                <a16:creationId xmlns:a16="http://schemas.microsoft.com/office/drawing/2014/main" id="{D7097FFD-91D7-9CDE-89AD-751D5F640823}"/>
               </a:ext>
             </a:extLst>
           </p:cNvPr>
@@ -990,7 +990,7 @@
           <p:cNvPr id="3" name="文本占位符 2">
             <a:extLst>
               <a:ext uri="{FF2B5EF4-FFF2-40B4-BE49-F238E27FC236}">
-                <a16:creationId xmlns:a16="http://schemas.microsoft.com/office/drawing/2014/main" id="{E07261D4-BD6F-39BE-74CA-D12A93288EC4}"/>
+                <a16:creationId xmlns:a16="http://schemas.microsoft.com/office/drawing/2014/main" id="{310C9061-F1E9-56AA-836F-68081D4E8DD5}"/>
               </a:ext>
             </a:extLst>
           </p:cNvPr>
@@ -1115,7 +1115,7 @@
           <p:cNvPr id="4" name="日期占位符 3">
             <a:extLst>
               <a:ext uri="{FF2B5EF4-FFF2-40B4-BE49-F238E27FC236}">
-                <a16:creationId xmlns:a16="http://schemas.microsoft.com/office/drawing/2014/main" id="{1878D256-CC3C-783E-57B6-0F3A5CB74C36}"/>
+                <a16:creationId xmlns:a16="http://schemas.microsoft.com/office/drawing/2014/main" id="{1FC983C1-E5F1-2706-6588-08809A359F05}"/>
               </a:ext>
             </a:extLst>
           </p:cNvPr>
@@ -1131,7 +1131,7 @@
           <a:bodyPr/>
           <a:lstStyle/>
           <a:p>
-            <a:fld id="{762F93B6-07EA-486F-A317-D39B293F3114}" type="datetimeFigureOut">
+            <a:fld id="{E1D2162E-0652-4582-AA01-427364AFE2FB}" type="datetimeFigureOut">
               <a:rPr lang="zh-CN" altLang="en-US" smtClean="0"/>
               <a:t>2024/3/10</a:t>
             </a:fld>
@@ -1144,7 +1144,7 @@
           <p:cNvPr id="5" name="页脚占位符 4">
             <a:extLst>
               <a:ext uri="{FF2B5EF4-FFF2-40B4-BE49-F238E27FC236}">
-                <a16:creationId xmlns:a16="http://schemas.microsoft.com/office/drawing/2014/main" id="{C3548FD2-61C5-950D-543D-A3007A86B9D9}"/>
+                <a16:creationId xmlns:a16="http://schemas.microsoft.com/office/drawing/2014/main" id="{96A67D18-0922-4BE6-F2F2-EA932CC32F06}"/>
               </a:ext>
             </a:extLst>
           </p:cNvPr>
@@ -1169,7 +1169,7 @@
           <p:cNvPr id="6" name="灯片编号占位符 5">
             <a:extLst>
               <a:ext uri="{FF2B5EF4-FFF2-40B4-BE49-F238E27FC236}">
-                <a16:creationId xmlns:a16="http://schemas.microsoft.com/office/drawing/2014/main" id="{270A8FC7-B1E1-47E7-2DA7-6DDB69BAB70B}"/>
+                <a16:creationId xmlns:a16="http://schemas.microsoft.com/office/drawing/2014/main" id="{0FF46708-4B5D-0962-8D95-8DD263A69C73}"/>
               </a:ext>
             </a:extLst>
           </p:cNvPr>
@@ -1185,7 +1185,7 @@
           <a:bodyPr/>
           <a:lstStyle/>
           <a:p>
-            <a:fld id="{0F463C2A-04DA-4844-B589-AE0FD5850503}" type="slidenum">
+            <a:fld id="{C9FCBA34-DA17-4E4E-9390-68B0F538CD60}" type="slidenum">
               <a:rPr lang="zh-CN" altLang="en-US" smtClean="0"/>
               <a:t>‹#›</a:t>
             </a:fld>
@@ -1196,7 +1196,7 @@
     </p:spTree>
     <p:extLst>
       <p:ext uri="{BB962C8B-B14F-4D97-AF65-F5344CB8AC3E}">
-        <p14:creationId xmlns:p14="http://schemas.microsoft.com/office/powerpoint/2010/main" val="4126450402"/>
+        <p14:creationId xmlns:p14="http://schemas.microsoft.com/office/powerpoint/2010/main" val="673010885"/>
       </p:ext>
     </p:extLst>
   </p:cSld>
@@ -1228,7 +1228,7 @@
           <p:cNvPr id="2" name="标题 1">
             <a:extLst>
               <a:ext uri="{FF2B5EF4-FFF2-40B4-BE49-F238E27FC236}">
-                <a16:creationId xmlns:a16="http://schemas.microsoft.com/office/drawing/2014/main" id="{4EFE4BF4-190E-D357-61F0-1224DD8D2BF2}"/>
+                <a16:creationId xmlns:a16="http://schemas.microsoft.com/office/drawing/2014/main" id="{C9096788-31BE-764D-9144-3BFC065A58A2}"/>
               </a:ext>
             </a:extLst>
           </p:cNvPr>
@@ -1256,7 +1256,7 @@
           <p:cNvPr id="3" name="内容占位符 2">
             <a:extLst>
               <a:ext uri="{FF2B5EF4-FFF2-40B4-BE49-F238E27FC236}">
-                <a16:creationId xmlns:a16="http://schemas.microsoft.com/office/drawing/2014/main" id="{83AE963A-A275-2833-DD00-FBFC583997F1}"/>
+                <a16:creationId xmlns:a16="http://schemas.microsoft.com/office/drawing/2014/main" id="{33225FFC-53D8-AAF5-3BC3-9AC3E492035D}"/>
               </a:ext>
             </a:extLst>
           </p:cNvPr>
@@ -1318,7 +1318,7 @@
           <p:cNvPr id="4" name="内容占位符 3">
             <a:extLst>
               <a:ext uri="{FF2B5EF4-FFF2-40B4-BE49-F238E27FC236}">
-                <a16:creationId xmlns:a16="http://schemas.microsoft.com/office/drawing/2014/main" id="{DA5565B8-E4CB-A74C-2D90-96AA48CEE877}"/>
+                <a16:creationId xmlns:a16="http://schemas.microsoft.com/office/drawing/2014/main" id="{797AF1F0-9CE9-6997-82BB-F3A4CAD9B643}"/>
               </a:ext>
             </a:extLst>
           </p:cNvPr>
@@ -1380,7 +1380,7 @@
           <p:cNvPr id="5" name="日期占位符 4">
             <a:extLst>
               <a:ext uri="{FF2B5EF4-FFF2-40B4-BE49-F238E27FC236}">
-                <a16:creationId xmlns:a16="http://schemas.microsoft.com/office/drawing/2014/main" id="{798AFA47-78F0-846E-63A9-F31ADD4B1112}"/>
+                <a16:creationId xmlns:a16="http://schemas.microsoft.com/office/drawing/2014/main" id="{C4574A15-057B-4164-5E74-DAE460CB515D}"/>
               </a:ext>
             </a:extLst>
           </p:cNvPr>
@@ -1396,7 +1396,7 @@
           <a:bodyPr/>
           <a:lstStyle/>
           <a:p>
-            <a:fld id="{762F93B6-07EA-486F-A317-D39B293F3114}" type="datetimeFigureOut">
+            <a:fld id="{E1D2162E-0652-4582-AA01-427364AFE2FB}" type="datetimeFigureOut">
               <a:rPr lang="zh-CN" altLang="en-US" smtClean="0"/>
               <a:t>2024/3/10</a:t>
             </a:fld>
@@ -1409,7 +1409,7 @@
           <p:cNvPr id="6" name="页脚占位符 5">
             <a:extLst>
               <a:ext uri="{FF2B5EF4-FFF2-40B4-BE49-F238E27FC236}">
-                <a16:creationId xmlns:a16="http://schemas.microsoft.com/office/drawing/2014/main" id="{FEF925E7-4D7C-CAE3-05F7-C452B7244454}"/>
+                <a16:creationId xmlns:a16="http://schemas.microsoft.com/office/drawing/2014/main" id="{9E2FFD08-2A3E-2E1C-A4BD-E82318D04D12}"/>
               </a:ext>
             </a:extLst>
           </p:cNvPr>
@@ -1434,7 +1434,7 @@
           <p:cNvPr id="7" name="灯片编号占位符 6">
             <a:extLst>
               <a:ext uri="{FF2B5EF4-FFF2-40B4-BE49-F238E27FC236}">
-                <a16:creationId xmlns:a16="http://schemas.microsoft.com/office/drawing/2014/main" id="{FB682348-BB37-80DE-A4D1-D7043523A31F}"/>
+                <a16:creationId xmlns:a16="http://schemas.microsoft.com/office/drawing/2014/main" id="{947945AD-DAEA-F15D-D3A0-690CDF338319}"/>
               </a:ext>
             </a:extLst>
           </p:cNvPr>
@@ -1450,7 +1450,7 @@
           <a:bodyPr/>
           <a:lstStyle/>
           <a:p>
-            <a:fld id="{0F463C2A-04DA-4844-B589-AE0FD5850503}" type="slidenum">
+            <a:fld id="{C9FCBA34-DA17-4E4E-9390-68B0F538CD60}" type="slidenum">
               <a:rPr lang="zh-CN" altLang="en-US" smtClean="0"/>
               <a:t>‹#›</a:t>
             </a:fld>
@@ -1461,7 +1461,7 @@
     </p:spTree>
     <p:extLst>
       <p:ext uri="{BB962C8B-B14F-4D97-AF65-F5344CB8AC3E}">
-        <p14:creationId xmlns:p14="http://schemas.microsoft.com/office/powerpoint/2010/main" val="2866595297"/>
+        <p14:creationId xmlns:p14="http://schemas.microsoft.com/office/powerpoint/2010/main" val="343476360"/>
       </p:ext>
     </p:extLst>
   </p:cSld>
@@ -1493,7 +1493,7 @@
           <p:cNvPr id="2" name="标题 1">
             <a:extLst>
               <a:ext uri="{FF2B5EF4-FFF2-40B4-BE49-F238E27FC236}">
-                <a16:creationId xmlns:a16="http://schemas.microsoft.com/office/drawing/2014/main" id="{FA166F61-50FB-C8ED-945B-2DA75EA02DA8}"/>
+                <a16:creationId xmlns:a16="http://schemas.microsoft.com/office/drawing/2014/main" id="{F61504D8-0CB0-D427-F866-6351B7350D59}"/>
               </a:ext>
             </a:extLst>
           </p:cNvPr>
@@ -1526,7 +1526,7 @@
           <p:cNvPr id="3" name="文本占位符 2">
             <a:extLst>
               <a:ext uri="{FF2B5EF4-FFF2-40B4-BE49-F238E27FC236}">
-                <a16:creationId xmlns:a16="http://schemas.microsoft.com/office/drawing/2014/main" id="{9B324DAE-8081-2FD5-554B-04049ACC683A}"/>
+                <a16:creationId xmlns:a16="http://schemas.microsoft.com/office/drawing/2014/main" id="{F083D1C8-0187-8882-AB63-2FED3FD47F6C}"/>
               </a:ext>
             </a:extLst>
           </p:cNvPr>
@@ -1597,7 +1597,7 @@
           <p:cNvPr id="4" name="内容占位符 3">
             <a:extLst>
               <a:ext uri="{FF2B5EF4-FFF2-40B4-BE49-F238E27FC236}">
-                <a16:creationId xmlns:a16="http://schemas.microsoft.com/office/drawing/2014/main" id="{C31FB450-9604-BF89-F90F-F93D8F35FDD0}"/>
+                <a16:creationId xmlns:a16="http://schemas.microsoft.com/office/drawing/2014/main" id="{75979615-C861-6CFA-11D6-36CD469DB730}"/>
               </a:ext>
             </a:extLst>
           </p:cNvPr>
@@ -1659,7 +1659,7 @@
           <p:cNvPr id="5" name="文本占位符 4">
             <a:extLst>
               <a:ext uri="{FF2B5EF4-FFF2-40B4-BE49-F238E27FC236}">
-                <a16:creationId xmlns:a16="http://schemas.microsoft.com/office/drawing/2014/main" id="{9E8F828B-8A51-AF0B-27CE-773D56EBCD6A}"/>
+                <a16:creationId xmlns:a16="http://schemas.microsoft.com/office/drawing/2014/main" id="{9343CFBA-8F44-69D8-5080-CC6EA31869B8}"/>
               </a:ext>
             </a:extLst>
           </p:cNvPr>
@@ -1730,7 +1730,7 @@
           <p:cNvPr id="6" name="内容占位符 5">
             <a:extLst>
               <a:ext uri="{FF2B5EF4-FFF2-40B4-BE49-F238E27FC236}">
-                <a16:creationId xmlns:a16="http://schemas.microsoft.com/office/drawing/2014/main" id="{E750B5DD-31E4-FB21-2631-CF1017EA6DDE}"/>
+                <a16:creationId xmlns:a16="http://schemas.microsoft.com/office/drawing/2014/main" id="{71E0A0F2-C2E0-B319-4E78-84BCB7CBD120}"/>
               </a:ext>
             </a:extLst>
           </p:cNvPr>
@@ -1792,7 +1792,7 @@
           <p:cNvPr id="7" name="日期占位符 6">
             <a:extLst>
               <a:ext uri="{FF2B5EF4-FFF2-40B4-BE49-F238E27FC236}">
-                <a16:creationId xmlns:a16="http://schemas.microsoft.com/office/drawing/2014/main" id="{28E43C47-AD4B-C3BC-2D89-7A0E7035659A}"/>
+                <a16:creationId xmlns:a16="http://schemas.microsoft.com/office/drawing/2014/main" id="{0E01394A-4842-5931-6BA7-0239D6B66946}"/>
               </a:ext>
             </a:extLst>
           </p:cNvPr>
@@ -1808,7 +1808,7 @@
           <a:bodyPr/>
           <a:lstStyle/>
           <a:p>
-            <a:fld id="{762F93B6-07EA-486F-A317-D39B293F3114}" type="datetimeFigureOut">
+            <a:fld id="{E1D2162E-0652-4582-AA01-427364AFE2FB}" type="datetimeFigureOut">
               <a:rPr lang="zh-CN" altLang="en-US" smtClean="0"/>
               <a:t>2024/3/10</a:t>
             </a:fld>
@@ -1821,7 +1821,7 @@
           <p:cNvPr id="8" name="页脚占位符 7">
             <a:extLst>
               <a:ext uri="{FF2B5EF4-FFF2-40B4-BE49-F238E27FC236}">
-                <a16:creationId xmlns:a16="http://schemas.microsoft.com/office/drawing/2014/main" id="{D09CF55D-6070-4E5D-FD3A-CF8E25CF6CEA}"/>
+                <a16:creationId xmlns:a16="http://schemas.microsoft.com/office/drawing/2014/main" id="{6897B151-867D-8EEA-965E-3002EB0F54DC}"/>
               </a:ext>
             </a:extLst>
           </p:cNvPr>
@@ -1846,7 +1846,7 @@
           <p:cNvPr id="9" name="灯片编号占位符 8">
             <a:extLst>
               <a:ext uri="{FF2B5EF4-FFF2-40B4-BE49-F238E27FC236}">
-                <a16:creationId xmlns:a16="http://schemas.microsoft.com/office/drawing/2014/main" id="{7DAECFDA-2E41-6F67-6AC9-A99FEA760D36}"/>
+                <a16:creationId xmlns:a16="http://schemas.microsoft.com/office/drawing/2014/main" id="{777ADCA6-F628-DB54-0C59-0E3FDC298416}"/>
               </a:ext>
             </a:extLst>
           </p:cNvPr>
@@ -1862,7 +1862,7 @@
           <a:bodyPr/>
           <a:lstStyle/>
           <a:p>
-            <a:fld id="{0F463C2A-04DA-4844-B589-AE0FD5850503}" type="slidenum">
+            <a:fld id="{C9FCBA34-DA17-4E4E-9390-68B0F538CD60}" type="slidenum">
               <a:rPr lang="zh-CN" altLang="en-US" smtClean="0"/>
               <a:t>‹#›</a:t>
             </a:fld>
@@ -1873,7 +1873,7 @@
     </p:spTree>
     <p:extLst>
       <p:ext uri="{BB962C8B-B14F-4D97-AF65-F5344CB8AC3E}">
-        <p14:creationId xmlns:p14="http://schemas.microsoft.com/office/powerpoint/2010/main" val="1095270819"/>
+        <p14:creationId xmlns:p14="http://schemas.microsoft.com/office/powerpoint/2010/main" val="186199519"/>
       </p:ext>
     </p:extLst>
   </p:cSld>
@@ -1905,7 +1905,7 @@
           <p:cNvPr id="2" name="标题 1">
             <a:extLst>
               <a:ext uri="{FF2B5EF4-FFF2-40B4-BE49-F238E27FC236}">
-                <a16:creationId xmlns:a16="http://schemas.microsoft.com/office/drawing/2014/main" id="{B9CD1C11-50D4-D4FC-C279-88A775619D5A}"/>
+                <a16:creationId xmlns:a16="http://schemas.microsoft.com/office/drawing/2014/main" id="{596782F1-89B5-72C4-3953-1C68CF088ABA}"/>
               </a:ext>
             </a:extLst>
           </p:cNvPr>
@@ -1933,7 +1933,7 @@
           <p:cNvPr id="3" name="日期占位符 2">
             <a:extLst>
               <a:ext uri="{FF2B5EF4-FFF2-40B4-BE49-F238E27FC236}">
-                <a16:creationId xmlns:a16="http://schemas.microsoft.com/office/drawing/2014/main" id="{BC85691E-9FFF-989D-9FED-F772C4B2039B}"/>
+                <a16:creationId xmlns:a16="http://schemas.microsoft.com/office/drawing/2014/main" id="{798D6342-79C5-4BB8-899D-162DDEBDD3B0}"/>
               </a:ext>
             </a:extLst>
           </p:cNvPr>
@@ -1949,7 +1949,7 @@
           <a:bodyPr/>
           <a:lstStyle/>
           <a:p>
-            <a:fld id="{762F93B6-07EA-486F-A317-D39B293F3114}" type="datetimeFigureOut">
+            <a:fld id="{E1D2162E-0652-4582-AA01-427364AFE2FB}" type="datetimeFigureOut">
               <a:rPr lang="zh-CN" altLang="en-US" smtClean="0"/>
               <a:t>2024/3/10</a:t>
             </a:fld>
@@ -1962,7 +1962,7 @@
           <p:cNvPr id="4" name="页脚占位符 3">
             <a:extLst>
               <a:ext uri="{FF2B5EF4-FFF2-40B4-BE49-F238E27FC236}">
-                <a16:creationId xmlns:a16="http://schemas.microsoft.com/office/drawing/2014/main" id="{B70C6619-BE55-097B-657B-E06FF0A339DC}"/>
+                <a16:creationId xmlns:a16="http://schemas.microsoft.com/office/drawing/2014/main" id="{CAB76274-1197-6630-538A-18289E8E9506}"/>
               </a:ext>
             </a:extLst>
           </p:cNvPr>
@@ -1987,7 +1987,7 @@
           <p:cNvPr id="5" name="灯片编号占位符 4">
             <a:extLst>
               <a:ext uri="{FF2B5EF4-FFF2-40B4-BE49-F238E27FC236}">
-                <a16:creationId xmlns:a16="http://schemas.microsoft.com/office/drawing/2014/main" id="{49951654-852D-7B88-A8D9-FCF79E669CE8}"/>
+                <a16:creationId xmlns:a16="http://schemas.microsoft.com/office/drawing/2014/main" id="{999F9C40-C8AC-5E08-F69F-CE569481FB67}"/>
               </a:ext>
             </a:extLst>
           </p:cNvPr>
@@ -2003,7 +2003,7 @@
           <a:bodyPr/>
           <a:lstStyle/>
           <a:p>
-            <a:fld id="{0F463C2A-04DA-4844-B589-AE0FD5850503}" type="slidenum">
+            <a:fld id="{C9FCBA34-DA17-4E4E-9390-68B0F538CD60}" type="slidenum">
               <a:rPr lang="zh-CN" altLang="en-US" smtClean="0"/>
               <a:t>‹#›</a:t>
             </a:fld>
@@ -2014,7 +2014,7 @@
     </p:spTree>
     <p:extLst>
       <p:ext uri="{BB962C8B-B14F-4D97-AF65-F5344CB8AC3E}">
-        <p14:creationId xmlns:p14="http://schemas.microsoft.com/office/powerpoint/2010/main" val="3963624743"/>
+        <p14:creationId xmlns:p14="http://schemas.microsoft.com/office/powerpoint/2010/main" val="1102172045"/>
       </p:ext>
     </p:extLst>
   </p:cSld>
@@ -2046,7 +2046,7 @@
           <p:cNvPr id="2" name="日期占位符 1">
             <a:extLst>
               <a:ext uri="{FF2B5EF4-FFF2-40B4-BE49-F238E27FC236}">
-                <a16:creationId xmlns:a16="http://schemas.microsoft.com/office/drawing/2014/main" id="{2B0DC00D-5C1C-55AA-5E95-346984F9E2E4}"/>
+                <a16:creationId xmlns:a16="http://schemas.microsoft.com/office/drawing/2014/main" id="{9E53C4CF-1D58-C71E-CA78-0189685826E9}"/>
               </a:ext>
             </a:extLst>
           </p:cNvPr>
@@ -2062,7 +2062,7 @@
           <a:bodyPr/>
           <a:lstStyle/>
           <a:p>
-            <a:fld id="{762F93B6-07EA-486F-A317-D39B293F3114}" type="datetimeFigureOut">
+            <a:fld id="{E1D2162E-0652-4582-AA01-427364AFE2FB}" type="datetimeFigureOut">
               <a:rPr lang="zh-CN" altLang="en-US" smtClean="0"/>
               <a:t>2024/3/10</a:t>
             </a:fld>
@@ -2075,7 +2075,7 @@
           <p:cNvPr id="3" name="页脚占位符 2">
             <a:extLst>
               <a:ext uri="{FF2B5EF4-FFF2-40B4-BE49-F238E27FC236}">
-                <a16:creationId xmlns:a16="http://schemas.microsoft.com/office/drawing/2014/main" id="{B5F09281-B29D-1EBC-24DC-43B992349A57}"/>
+                <a16:creationId xmlns:a16="http://schemas.microsoft.com/office/drawing/2014/main" id="{0C2CE8D3-FC68-4442-FA60-26B57D91F5D2}"/>
               </a:ext>
             </a:extLst>
           </p:cNvPr>
@@ -2100,7 +2100,7 @@
           <p:cNvPr id="4" name="灯片编号占位符 3">
             <a:extLst>
               <a:ext uri="{FF2B5EF4-FFF2-40B4-BE49-F238E27FC236}">
-                <a16:creationId xmlns:a16="http://schemas.microsoft.com/office/drawing/2014/main" id="{101271C5-5DFC-56AE-B612-FBAFAABAF8EE}"/>
+                <a16:creationId xmlns:a16="http://schemas.microsoft.com/office/drawing/2014/main" id="{BF779A3D-D4F2-28E1-B57F-BC31AC1C5C8D}"/>
               </a:ext>
             </a:extLst>
           </p:cNvPr>
@@ -2116,7 +2116,7 @@
           <a:bodyPr/>
           <a:lstStyle/>
           <a:p>
-            <a:fld id="{0F463C2A-04DA-4844-B589-AE0FD5850503}" type="slidenum">
+            <a:fld id="{C9FCBA34-DA17-4E4E-9390-68B0F538CD60}" type="slidenum">
               <a:rPr lang="zh-CN" altLang="en-US" smtClean="0"/>
               <a:t>‹#›</a:t>
             </a:fld>
@@ -2127,7 +2127,7 @@
     </p:spTree>
     <p:extLst>
       <p:ext uri="{BB962C8B-B14F-4D97-AF65-F5344CB8AC3E}">
-        <p14:creationId xmlns:p14="http://schemas.microsoft.com/office/powerpoint/2010/main" val="1449142705"/>
+        <p14:creationId xmlns:p14="http://schemas.microsoft.com/office/powerpoint/2010/main" val="3062497147"/>
       </p:ext>
     </p:extLst>
   </p:cSld>
@@ -2159,7 +2159,7 @@
           <p:cNvPr id="2" name="标题 1">
             <a:extLst>
               <a:ext uri="{FF2B5EF4-FFF2-40B4-BE49-F238E27FC236}">
-                <a16:creationId xmlns:a16="http://schemas.microsoft.com/office/drawing/2014/main" id="{30EE9C5F-DC6C-FB71-F595-F6A56DB87C1C}"/>
+                <a16:creationId xmlns:a16="http://schemas.microsoft.com/office/drawing/2014/main" id="{2CDDC4D5-156E-9638-F2A1-DC8D1316ED05}"/>
               </a:ext>
             </a:extLst>
           </p:cNvPr>
@@ -2196,7 +2196,7 @@
           <p:cNvPr id="3" name="内容占位符 2">
             <a:extLst>
               <a:ext uri="{FF2B5EF4-FFF2-40B4-BE49-F238E27FC236}">
-                <a16:creationId xmlns:a16="http://schemas.microsoft.com/office/drawing/2014/main" id="{61CAE218-A6F6-DB6B-6759-0A5C28E95931}"/>
+                <a16:creationId xmlns:a16="http://schemas.microsoft.com/office/drawing/2014/main" id="{914F7669-869A-5189-936D-8997FFA0C386}"/>
               </a:ext>
             </a:extLst>
           </p:cNvPr>
@@ -2286,7 +2286,7 @@
           <p:cNvPr id="4" name="文本占位符 3">
             <a:extLst>
               <a:ext uri="{FF2B5EF4-FFF2-40B4-BE49-F238E27FC236}">
-                <a16:creationId xmlns:a16="http://schemas.microsoft.com/office/drawing/2014/main" id="{D452E5C6-225E-5027-7B74-51B1391F1435}"/>
+                <a16:creationId xmlns:a16="http://schemas.microsoft.com/office/drawing/2014/main" id="{411E7D9D-D2E2-58B5-9B66-A3E2852F3949}"/>
               </a:ext>
             </a:extLst>
           </p:cNvPr>
@@ -2357,7 +2357,7 @@
           <p:cNvPr id="5" name="日期占位符 4">
             <a:extLst>
               <a:ext uri="{FF2B5EF4-FFF2-40B4-BE49-F238E27FC236}">
-                <a16:creationId xmlns:a16="http://schemas.microsoft.com/office/drawing/2014/main" id="{E1131DF5-D446-4719-15DF-8497117366C4}"/>
+                <a16:creationId xmlns:a16="http://schemas.microsoft.com/office/drawing/2014/main" id="{7DECDF09-82C3-97E3-1E20-9420A1A3008B}"/>
               </a:ext>
             </a:extLst>
           </p:cNvPr>
@@ -2373,7 +2373,7 @@
           <a:bodyPr/>
           <a:lstStyle/>
           <a:p>
-            <a:fld id="{762F93B6-07EA-486F-A317-D39B293F3114}" type="datetimeFigureOut">
+            <a:fld id="{E1D2162E-0652-4582-AA01-427364AFE2FB}" type="datetimeFigureOut">
               <a:rPr lang="zh-CN" altLang="en-US" smtClean="0"/>
               <a:t>2024/3/10</a:t>
             </a:fld>
@@ -2386,7 +2386,7 @@
           <p:cNvPr id="6" name="页脚占位符 5">
             <a:extLst>
               <a:ext uri="{FF2B5EF4-FFF2-40B4-BE49-F238E27FC236}">
-                <a16:creationId xmlns:a16="http://schemas.microsoft.com/office/drawing/2014/main" id="{5C010536-F2D4-AF94-4692-08DF4B04C60F}"/>
+                <a16:creationId xmlns:a16="http://schemas.microsoft.com/office/drawing/2014/main" id="{CAC84D34-59C0-1832-137B-DCBAC744A5A7}"/>
               </a:ext>
             </a:extLst>
           </p:cNvPr>
@@ -2411,7 +2411,7 @@
           <p:cNvPr id="7" name="灯片编号占位符 6">
             <a:extLst>
               <a:ext uri="{FF2B5EF4-FFF2-40B4-BE49-F238E27FC236}">
-                <a16:creationId xmlns:a16="http://schemas.microsoft.com/office/drawing/2014/main" id="{1622FC50-FB7F-7568-79FB-FA4C24A084CF}"/>
+                <a16:creationId xmlns:a16="http://schemas.microsoft.com/office/drawing/2014/main" id="{1CB6980F-20D4-8C47-5F6D-AFE3306C7CD0}"/>
               </a:ext>
             </a:extLst>
           </p:cNvPr>
@@ -2427,7 +2427,7 @@
           <a:bodyPr/>
           <a:lstStyle/>
           <a:p>
-            <a:fld id="{0F463C2A-04DA-4844-B589-AE0FD5850503}" type="slidenum">
+            <a:fld id="{C9FCBA34-DA17-4E4E-9390-68B0F538CD60}" type="slidenum">
               <a:rPr lang="zh-CN" altLang="en-US" smtClean="0"/>
               <a:t>‹#›</a:t>
             </a:fld>
@@ -2438,7 +2438,7 @@
     </p:spTree>
     <p:extLst>
       <p:ext uri="{BB962C8B-B14F-4D97-AF65-F5344CB8AC3E}">
-        <p14:creationId xmlns:p14="http://schemas.microsoft.com/office/powerpoint/2010/main" val="3283895018"/>
+        <p14:creationId xmlns:p14="http://schemas.microsoft.com/office/powerpoint/2010/main" val="2924275788"/>
       </p:ext>
     </p:extLst>
   </p:cSld>
@@ -2470,7 +2470,7 @@
           <p:cNvPr id="2" name="标题 1">
             <a:extLst>
               <a:ext uri="{FF2B5EF4-FFF2-40B4-BE49-F238E27FC236}">
-                <a16:creationId xmlns:a16="http://schemas.microsoft.com/office/drawing/2014/main" id="{41AA503D-D4EC-382D-51D3-50A6D7E6B5D7}"/>
+                <a16:creationId xmlns:a16="http://schemas.microsoft.com/office/drawing/2014/main" id="{C9F62A20-2B61-04BF-F2D4-9BF451F15CF3}"/>
               </a:ext>
             </a:extLst>
           </p:cNvPr>
@@ -2507,7 +2507,7 @@
           <p:cNvPr id="3" name="图片占位符 2">
             <a:extLst>
               <a:ext uri="{FF2B5EF4-FFF2-40B4-BE49-F238E27FC236}">
-                <a16:creationId xmlns:a16="http://schemas.microsoft.com/office/drawing/2014/main" id="{0035CCF2-74D9-5C9D-95A6-68F0648D790A}"/>
+                <a16:creationId xmlns:a16="http://schemas.microsoft.com/office/drawing/2014/main" id="{F1D7D5C1-D7B4-E544-D66F-BF984226BD12}"/>
               </a:ext>
             </a:extLst>
           </p:cNvPr>
@@ -2574,7 +2574,7 @@
           <p:cNvPr id="4" name="文本占位符 3">
             <a:extLst>
               <a:ext uri="{FF2B5EF4-FFF2-40B4-BE49-F238E27FC236}">
-                <a16:creationId xmlns:a16="http://schemas.microsoft.com/office/drawing/2014/main" id="{D34414C3-D773-2C5F-FC19-CA6FBEE0D152}"/>
+                <a16:creationId xmlns:a16="http://schemas.microsoft.com/office/drawing/2014/main" id="{066FF4AA-5F03-DF7E-EFF3-81C06BD59096}"/>
               </a:ext>
             </a:extLst>
           </p:cNvPr>
@@ -2645,7 +2645,7 @@
           <p:cNvPr id="5" name="日期占位符 4">
             <a:extLst>
               <a:ext uri="{FF2B5EF4-FFF2-40B4-BE49-F238E27FC236}">
-                <a16:creationId xmlns:a16="http://schemas.microsoft.com/office/drawing/2014/main" id="{71A63FDE-4154-FA4A-8B27-FE22F4A0F550}"/>
+                <a16:creationId xmlns:a16="http://schemas.microsoft.com/office/drawing/2014/main" id="{1EC79685-A8DA-AA3D-BE09-FFD0067D5B92}"/>
               </a:ext>
             </a:extLst>
           </p:cNvPr>
@@ -2661,7 +2661,7 @@
           <a:bodyPr/>
           <a:lstStyle/>
           <a:p>
-            <a:fld id="{762F93B6-07EA-486F-A317-D39B293F3114}" type="datetimeFigureOut">
+            <a:fld id="{E1D2162E-0652-4582-AA01-427364AFE2FB}" type="datetimeFigureOut">
               <a:rPr lang="zh-CN" altLang="en-US" smtClean="0"/>
               <a:t>2024/3/10</a:t>
             </a:fld>
@@ -2674,7 +2674,7 @@
           <p:cNvPr id="6" name="页脚占位符 5">
             <a:extLst>
               <a:ext uri="{FF2B5EF4-FFF2-40B4-BE49-F238E27FC236}">
-                <a16:creationId xmlns:a16="http://schemas.microsoft.com/office/drawing/2014/main" id="{6D8585AD-E4EB-1039-8918-EC6A80392E87}"/>
+                <a16:creationId xmlns:a16="http://schemas.microsoft.com/office/drawing/2014/main" id="{19D67CDF-F2B3-6789-C0BA-605F8E9EE747}"/>
               </a:ext>
             </a:extLst>
           </p:cNvPr>
@@ -2699,7 +2699,7 @@
           <p:cNvPr id="7" name="灯片编号占位符 6">
             <a:extLst>
               <a:ext uri="{FF2B5EF4-FFF2-40B4-BE49-F238E27FC236}">
-                <a16:creationId xmlns:a16="http://schemas.microsoft.com/office/drawing/2014/main" id="{C68AA839-50F8-1813-81AD-10699F62AE56}"/>
+                <a16:creationId xmlns:a16="http://schemas.microsoft.com/office/drawing/2014/main" id="{0DAEA9C9-323E-BD72-E91D-BFDF8E23C746}"/>
               </a:ext>
             </a:extLst>
           </p:cNvPr>
@@ -2715,7 +2715,7 @@
           <a:bodyPr/>
           <a:lstStyle/>
           <a:p>
-            <a:fld id="{0F463C2A-04DA-4844-B589-AE0FD5850503}" type="slidenum">
+            <a:fld id="{C9FCBA34-DA17-4E4E-9390-68B0F538CD60}" type="slidenum">
               <a:rPr lang="zh-CN" altLang="en-US" smtClean="0"/>
               <a:t>‹#›</a:t>
             </a:fld>
@@ -2726,7 +2726,7 @@
     </p:spTree>
     <p:extLst>
       <p:ext uri="{BB962C8B-B14F-4D97-AF65-F5344CB8AC3E}">
-        <p14:creationId xmlns:p14="http://schemas.microsoft.com/office/powerpoint/2010/main" val="4022111582"/>
+        <p14:creationId xmlns:p14="http://schemas.microsoft.com/office/powerpoint/2010/main" val="3276347099"/>
       </p:ext>
     </p:extLst>
   </p:cSld>
@@ -2763,7 +2763,7 @@
           <p:cNvPr id="2" name="标题占位符 1">
             <a:extLst>
               <a:ext uri="{FF2B5EF4-FFF2-40B4-BE49-F238E27FC236}">
-                <a16:creationId xmlns:a16="http://schemas.microsoft.com/office/drawing/2014/main" id="{661C9D2B-7A05-FF7C-14C1-489DFCE02C0F}"/>
+                <a16:creationId xmlns:a16="http://schemas.microsoft.com/office/drawing/2014/main" id="{A07B52A6-56EE-5A35-A58C-B0FE5880C4EC}"/>
               </a:ext>
             </a:extLst>
           </p:cNvPr>
@@ -2801,7 +2801,7 @@
           <p:cNvPr id="3" name="文本占位符 2">
             <a:extLst>
               <a:ext uri="{FF2B5EF4-FFF2-40B4-BE49-F238E27FC236}">
-                <a16:creationId xmlns:a16="http://schemas.microsoft.com/office/drawing/2014/main" id="{44FD9083-047D-F3C4-1211-8522EC6555A8}"/>
+                <a16:creationId xmlns:a16="http://schemas.microsoft.com/office/drawing/2014/main" id="{06F2DE81-85E2-B326-4AB1-D63B83B4B698}"/>
               </a:ext>
             </a:extLst>
           </p:cNvPr>
@@ -2868,7 +2868,7 @@
           <p:cNvPr id="4" name="日期占位符 3">
             <a:extLst>
               <a:ext uri="{FF2B5EF4-FFF2-40B4-BE49-F238E27FC236}">
-                <a16:creationId xmlns:a16="http://schemas.microsoft.com/office/drawing/2014/main" id="{12B02DD6-6D5B-398A-DF28-DFA909BC0677}"/>
+                <a16:creationId xmlns:a16="http://schemas.microsoft.com/office/drawing/2014/main" id="{2DC3F914-C3EF-2EA4-C5DF-7CB6F6B98FA2}"/>
               </a:ext>
             </a:extLst>
           </p:cNvPr>
@@ -2902,7 +2902,7 @@
             </a:lvl1pPr>
           </a:lstStyle>
           <a:p>
-            <a:fld id="{762F93B6-07EA-486F-A317-D39B293F3114}" type="datetimeFigureOut">
+            <a:fld id="{E1D2162E-0652-4582-AA01-427364AFE2FB}" type="datetimeFigureOut">
               <a:rPr lang="zh-CN" altLang="en-US" smtClean="0"/>
               <a:t>2024/3/10</a:t>
             </a:fld>
@@ -2915,7 +2915,7 @@
           <p:cNvPr id="5" name="页脚占位符 4">
             <a:extLst>
               <a:ext uri="{FF2B5EF4-FFF2-40B4-BE49-F238E27FC236}">
-                <a16:creationId xmlns:a16="http://schemas.microsoft.com/office/drawing/2014/main" id="{CD5E42D3-0818-4E8E-4E8D-8E2A2185C6B3}"/>
+                <a16:creationId xmlns:a16="http://schemas.microsoft.com/office/drawing/2014/main" id="{EB6FDB9D-5CCA-44E9-4275-A69B372483C3}"/>
               </a:ext>
             </a:extLst>
           </p:cNvPr>
@@ -2958,7 +2958,7 @@
           <p:cNvPr id="6" name="灯片编号占位符 5">
             <a:extLst>
               <a:ext uri="{FF2B5EF4-FFF2-40B4-BE49-F238E27FC236}">
-                <a16:creationId xmlns:a16="http://schemas.microsoft.com/office/drawing/2014/main" id="{828F0443-CE8B-9AFE-CDE5-86E49290180B}"/>
+                <a16:creationId xmlns:a16="http://schemas.microsoft.com/office/drawing/2014/main" id="{03479A23-E0BA-57E5-4D4E-6F719E5D8DD4}"/>
               </a:ext>
             </a:extLst>
           </p:cNvPr>
@@ -2992,7 +2992,7 @@
             </a:lvl1pPr>
           </a:lstStyle>
           <a:p>
-            <a:fld id="{0F463C2A-04DA-4844-B589-AE0FD5850503}" type="slidenum">
+            <a:fld id="{C9FCBA34-DA17-4E4E-9390-68B0F538CD60}" type="slidenum">
               <a:rPr lang="zh-CN" altLang="en-US" smtClean="0"/>
               <a:t>‹#›</a:t>
             </a:fld>
@@ -3003,7 +3003,7 @@
     </p:spTree>
     <p:extLst>
       <p:ext uri="{BB962C8B-B14F-4D97-AF65-F5344CB8AC3E}">
-        <p14:creationId xmlns:p14="http://schemas.microsoft.com/office/powerpoint/2010/main" val="3014871440"/>
+        <p14:creationId xmlns:p14="http://schemas.microsoft.com/office/powerpoint/2010/main" val="2635153121"/>
       </p:ext>
     </p:extLst>
   </p:cSld>
